--- a/Docs/newpresentation.pptx
+++ b/Docs/newpresentation.pptx
@@ -5,7 +5,7 @@
     <p:sldMasterId id="2147483649" r:id="rId2"/>
   </p:sldMasterIdLst>
   <p:handoutMasterIdLst>
-    <p:handoutMasterId r:id="rId16"/>
+    <p:handoutMasterId r:id="rId14"/>
   </p:handoutMasterIdLst>
   <p:sldIdLst>
     <p:sldId id="269" r:id="rId3"/>
@@ -19,8 +19,6 @@
     <p:sldId id="275" r:id="rId11"/>
     <p:sldId id="276" r:id="rId12"/>
     <p:sldId id="277" r:id="rId13"/>
-    <p:sldId id="278" r:id="rId14"/>
-    <p:sldId id="270" r:id="rId15"/>
   </p:sldIdLst>
   <p:sldSz cx="9144000" cy="6858000" type="screen4x3"/>
   <p:notesSz cx="6858000" cy="9144000"/>
@@ -355,6 +353,11 @@
         </p:txBody>
       </p:sp>
     </p:spTree>
+    <p:extLst>
+      <p:ext uri="{BB962C8B-B14F-4D97-AF65-F5344CB8AC3E}">
+        <p14:creationId xmlns:p14="http://schemas.microsoft.com/office/powerpoint/2010/main" val="289996218"/>
+      </p:ext>
+    </p:extLst>
   </p:cSld>
   <p:clrMap bg1="lt1" tx1="dk1" bg2="lt2" tx2="dk2" accent1="accent1" accent2="accent2" accent3="accent3" accent4="accent4" accent5="accent5" accent6="accent6" hlink="hlink" folHlink="folHlink"/>
 </p:handoutMaster>
@@ -2811,6 +2814,24 @@
               <a:t>  </a:t>
             </a:r>
             <a:r>
+              <a:rPr lang="en-US" dirty="0" smtClean="0"/>
+              <a:t/>
+            </a:r>
+            <a:br>
+              <a:rPr lang="en-US" dirty="0" smtClean="0"/>
+            </a:br>
+            <a:r>
+              <a:rPr lang="en-US" dirty="0"/>
+              <a:t/>
+            </a:r>
+            <a:br>
+              <a:rPr lang="en-US" dirty="0"/>
+            </a:br>
+            <a:r>
+              <a:rPr lang="en-US" dirty="0" smtClean="0"/>
+              <a:t>   </a:t>
+            </a:r>
+            <a:r>
               <a:rPr lang="en-US" dirty="0" err="1" smtClean="0"/>
               <a:t>AnewLUVm</a:t>
             </a:r>
@@ -3019,12 +3040,12 @@
           <a:lstStyle/>
           <a:p>
             <a:r>
-              <a:rPr lang="en-US" dirty="0" err="1" smtClean="0"/>
-              <a:t>Intial</a:t>
-            </a:r>
-            <a:r>
-              <a:rPr lang="en-US" dirty="0" smtClean="0"/>
-              <a:t> registration and download will be free.</a:t>
+              <a:rPr lang="en-US" dirty="0" smtClean="0"/>
+              <a:t>Initial </a:t>
+            </a:r>
+            <a:r>
+              <a:rPr lang="en-US" dirty="0" smtClean="0"/>
+              <a:t>registration and download will be free.</a:t>
             </a:r>
           </a:p>
           <a:p>
@@ -3039,18 +3060,22 @@
               <a:t>To use the Advanced search features a </a:t>
             </a:r>
             <a:r>
-              <a:rPr lang="en-US" dirty="0" err="1" smtClean="0"/>
-              <a:t>suscription</a:t>
-            </a:r>
-            <a:r>
-              <a:rPr lang="en-US" dirty="0" smtClean="0"/>
-              <a:t> will be required.</a:t>
-            </a:r>
-          </a:p>
-          <a:p>
-            <a:r>
-              <a:rPr lang="en-US" dirty="0" smtClean="0"/>
-              <a:t>Adds will be supported throughout the application.</a:t>
+              <a:rPr lang="en-US" dirty="0" smtClean="0"/>
+              <a:t>subscription </a:t>
+            </a:r>
+            <a:r>
+              <a:rPr lang="en-US" dirty="0" smtClean="0"/>
+              <a:t>will be required.</a:t>
+            </a:r>
+          </a:p>
+          <a:p>
+            <a:r>
+              <a:rPr lang="en-US" dirty="0" smtClean="0"/>
+              <a:t>Adverts </a:t>
+            </a:r>
+            <a:r>
+              <a:rPr lang="en-US" dirty="0" smtClean="0"/>
+              <a:t>will be supported throughout the application.</a:t>
             </a:r>
           </a:p>
           <a:p>
@@ -3076,271 +3101,6 @@
   <p:clrMapOvr>
     <a:masterClrMapping/>
   </p:clrMapOvr>
-</p:sld>
-</file>
-
-<file path=ppt/slides/slide12.xml><?xml version="1.0" encoding="utf-8"?>
-<p:sld xmlns:a="http://schemas.openxmlformats.org/drawingml/2006/main" xmlns:r="http://schemas.openxmlformats.org/officeDocument/2006/relationships" xmlns:p="http://schemas.openxmlformats.org/presentationml/2006/main">
-  <p:cSld>
-    <p:spTree>
-      <p:nvGrpSpPr>
-        <p:cNvPr id="1" name=""/>
-        <p:cNvGrpSpPr/>
-        <p:nvPr/>
-      </p:nvGrpSpPr>
-      <p:grpSpPr>
-        <a:xfrm>
-          <a:off x="0" y="0"/>
-          <a:ext cx="0" cy="0"/>
-          <a:chOff x="0" y="0"/>
-          <a:chExt cx="0" cy="0"/>
-        </a:xfrm>
-      </p:grpSpPr>
-      <p:sp>
-        <p:nvSpPr>
-          <p:cNvPr id="2" name="Title 1"/>
-          <p:cNvSpPr>
-            <a:spLocks noGrp="1"/>
-          </p:cNvSpPr>
-          <p:nvPr>
-            <p:ph type="title"/>
-          </p:nvPr>
-        </p:nvSpPr>
-        <p:spPr/>
-        <p:txBody>
-          <a:bodyPr/>
-          <a:lstStyle/>
-          <a:p>
-            <a:r>
-              <a:rPr lang="en-US" dirty="0" smtClean="0"/>
-              <a:t>Windows Store Story Cont..</a:t>
-            </a:r>
-            <a:endParaRPr lang="en-US" dirty="0"/>
-          </a:p>
-        </p:txBody>
-      </p:sp>
-      <p:sp>
-        <p:nvSpPr>
-          <p:cNvPr id="3" name="Content Placeholder 2"/>
-          <p:cNvSpPr>
-            <a:spLocks noGrp="1"/>
-          </p:cNvSpPr>
-          <p:nvPr>
-            <p:ph idx="1"/>
-          </p:nvPr>
-        </p:nvSpPr>
-        <p:spPr/>
-        <p:txBody>
-          <a:bodyPr/>
-          <a:lstStyle/>
-          <a:p>
-            <a:endParaRPr lang="en-US" dirty="0"/>
-          </a:p>
-        </p:txBody>
-      </p:sp>
-    </p:spTree>
-  </p:cSld>
-  <p:clrMapOvr>
-    <a:masterClrMapping/>
-  </p:clrMapOvr>
-</p:sld>
-</file>
-
-<file path=ppt/slides/slide13.xml><?xml version="1.0" encoding="utf-8"?>
-<p:sld xmlns:a="http://schemas.openxmlformats.org/drawingml/2006/main" xmlns:r="http://schemas.openxmlformats.org/officeDocument/2006/relationships" xmlns:p="http://schemas.openxmlformats.org/presentationml/2006/main">
-  <p:cSld>
-    <p:spTree>
-      <p:nvGrpSpPr>
-        <p:cNvPr id="1" name=""/>
-        <p:cNvGrpSpPr/>
-        <p:nvPr/>
-      </p:nvGrpSpPr>
-      <p:grpSpPr>
-        <a:xfrm>
-          <a:off x="0" y="0"/>
-          <a:ext cx="0" cy="0"/>
-          <a:chOff x="0" y="0"/>
-          <a:chExt cx="0" cy="0"/>
-        </a:xfrm>
-      </p:grpSpPr>
-      <p:sp>
-        <p:nvSpPr>
-          <p:cNvPr id="14343" name="Text Box 7"/>
-          <p:cNvSpPr txBox="1">
-            <a:spLocks noChangeArrowheads="1"/>
-          </p:cNvSpPr>
-          <p:nvPr/>
-        </p:nvSpPr>
-        <p:spPr bwMode="auto">
-          <a:xfrm>
-            <a:off x="2324100" y="2209800"/>
-            <a:ext cx="2438400" cy="276999"/>
-          </a:xfrm>
-          <a:prstGeom prst="rect">
-            <a:avLst/>
-          </a:prstGeom>
-          <a:noFill/>
-          <a:ln w="9525">
-            <a:noFill/>
-            <a:miter lim="800000"/>
-            <a:headEnd/>
-            <a:tailEnd/>
-          </a:ln>
-          <a:effectLst/>
-        </p:spPr>
-        <p:txBody>
-          <a:bodyPr>
-            <a:spAutoFit/>
-          </a:bodyPr>
-          <a:lstStyle/>
-          <a:p>
-            <a:pPr algn="ctr">
-              <a:spcBef>
-                <a:spcPct val="50000"/>
-              </a:spcBef>
-            </a:pPr>
-            <a:r>
-              <a:rPr lang="en-US" sz="1200" b="1" dirty="0" smtClean="0">
-                <a:latin typeface="+mn-lt"/>
-              </a:rPr>
-              <a:t>Template Provided By</a:t>
-            </a:r>
-            <a:endParaRPr lang="en-US" sz="1200" b="1" dirty="0">
-              <a:latin typeface="+mn-lt"/>
-            </a:endParaRPr>
-          </a:p>
-        </p:txBody>
-      </p:sp>
-      <p:sp>
-        <p:nvSpPr>
-          <p:cNvPr id="14344" name="Text Box 8">
-            <a:hlinkClick r:id="rId2"/>
-          </p:cNvPr>
-          <p:cNvSpPr txBox="1">
-            <a:spLocks noChangeArrowheads="1"/>
-          </p:cNvSpPr>
-          <p:nvPr/>
-        </p:nvSpPr>
-        <p:spPr bwMode="auto">
-          <a:xfrm>
-            <a:off x="1676400" y="3242846"/>
-            <a:ext cx="3733800" cy="338554"/>
-          </a:xfrm>
-          <a:prstGeom prst="rect">
-            <a:avLst/>
-          </a:prstGeom>
-          <a:noFill/>
-          <a:ln w="9525">
-            <a:noFill/>
-            <a:miter lim="800000"/>
-            <a:headEnd/>
-            <a:tailEnd/>
-          </a:ln>
-          <a:effectLst/>
-        </p:spPr>
-        <p:txBody>
-          <a:bodyPr wrap="square">
-            <a:spAutoFit/>
-          </a:bodyPr>
-          <a:lstStyle/>
-          <a:p>
-            <a:pPr algn="ctr"/>
-            <a:r>
-              <a:rPr lang="en-US" sz="1600" b="1" dirty="0">
-                <a:latin typeface="+mn-lt"/>
-              </a:rPr>
-              <a:t>www.animationfactory.com</a:t>
-            </a:r>
-          </a:p>
-        </p:txBody>
-      </p:sp>
-      <p:sp>
-        <p:nvSpPr>
-          <p:cNvPr id="12" name="Text Box 7"/>
-          <p:cNvSpPr txBox="1">
-            <a:spLocks noChangeArrowheads="1"/>
-          </p:cNvSpPr>
-          <p:nvPr/>
-        </p:nvSpPr>
-        <p:spPr bwMode="auto">
-          <a:xfrm>
-            <a:off x="1562100" y="3733800"/>
-            <a:ext cx="3962400" cy="461665"/>
-          </a:xfrm>
-          <a:prstGeom prst="rect">
-            <a:avLst/>
-          </a:prstGeom>
-          <a:noFill/>
-          <a:ln w="9525">
-            <a:noFill/>
-            <a:miter lim="800000"/>
-            <a:headEnd/>
-            <a:tailEnd/>
-          </a:ln>
-          <a:effectLst/>
-        </p:spPr>
-        <p:txBody>
-          <a:bodyPr wrap="square">
-            <a:spAutoFit/>
-          </a:bodyPr>
-          <a:lstStyle/>
-          <a:p>
-            <a:pPr algn="ctr">
-              <a:spcBef>
-                <a:spcPct val="50000"/>
-              </a:spcBef>
-            </a:pPr>
-            <a:r>
-              <a:rPr lang="en-US" sz="1200" b="1" dirty="0" smtClean="0">
-                <a:latin typeface="+mn-lt"/>
-              </a:rPr>
-              <a:t>500,000 Downloadable PowerPoint Templates, Animated Clip Art, Backgrounds and Videos</a:t>
-            </a:r>
-            <a:endParaRPr lang="en-US" sz="1200" b="1" dirty="0">
-              <a:latin typeface="+mn-lt"/>
-            </a:endParaRPr>
-          </a:p>
-        </p:txBody>
-      </p:sp>
-      <p:pic>
-        <p:nvPicPr>
-          <p:cNvPr id="13" name="Picture 12" descr="af_logo_long.png">
-            <a:hlinkClick r:id="rId2"/>
-          </p:cNvPr>
-          <p:cNvPicPr>
-            <a:picLocks noChangeAspect="1"/>
-          </p:cNvPicPr>
-          <p:nvPr/>
-        </p:nvPicPr>
-        <p:blipFill>
-          <a:blip r:embed="rId3" cstate="print"/>
-          <a:stretch>
-            <a:fillRect/>
-          </a:stretch>
-        </p:blipFill>
-        <p:spPr>
-          <a:xfrm>
-            <a:off x="533400" y="2612978"/>
-            <a:ext cx="6019800" cy="767450"/>
-          </a:xfrm>
-          <a:prstGeom prst="rect">
-            <a:avLst/>
-          </a:prstGeom>
-        </p:spPr>
-      </p:pic>
-    </p:spTree>
-  </p:cSld>
-  <p:clrMapOvr>
-    <a:masterClrMapping/>
-  </p:clrMapOvr>
-  <p:transition/>
-  <p:timing>
-    <p:tnLst>
-      <p:par>
-        <p:cTn id="1" dur="indefinite" restart="never" nodeType="tmRoot"/>
-      </p:par>
-    </p:tnLst>
-  </p:timing>
 </p:sld>
 </file>
 
@@ -3417,15 +3177,7 @@
             </a:pPr>
             <a:r>
               <a:rPr lang="en-US" dirty="0" smtClean="0"/>
-              <a:t>The AnewLuv.com application is an </a:t>
-            </a:r>
-            <a:r>
-              <a:rPr lang="en-US" dirty="0" smtClean="0"/>
-              <a:t>extension </a:t>
-            </a:r>
-            <a:r>
-              <a:rPr lang="en-US" dirty="0" smtClean="0"/>
-              <a:t>of our cloud based services that allows users to connect to other members of the </a:t>
+              <a:t>The AnewLuv.com application is an extension of our cloud based services that allows users to connect to other members of the </a:t>
             </a:r>
             <a:r>
               <a:rPr lang="en-US" dirty="0" err="1" smtClean="0"/>
@@ -3662,23 +3414,7 @@
           <a:p>
             <a:r>
               <a:rPr lang="en-US" dirty="0" smtClean="0"/>
-              <a:t>Our Application </a:t>
-            </a:r>
-            <a:r>
-              <a:rPr lang="en-US" dirty="0" smtClean="0"/>
-              <a:t>will </a:t>
-            </a:r>
-            <a:r>
-              <a:rPr lang="en-US" dirty="0" smtClean="0"/>
-              <a:t>be </a:t>
-            </a:r>
-            <a:r>
-              <a:rPr lang="en-US" dirty="0" smtClean="0"/>
-              <a:t>built </a:t>
-            </a:r>
-            <a:r>
-              <a:rPr lang="en-US" dirty="0" smtClean="0"/>
-              <a:t>upon a powerful suit of WCF services that provide a rich API for 3</a:t>
+              <a:t>Our Application will be built upon a powerful suit of WCF services that provide a rich API for 3</a:t>
             </a:r>
             <a:r>
               <a:rPr lang="en-US" baseline="30000" dirty="0" smtClean="0"/>
@@ -3712,11 +3448,7 @@
             </a:r>
             <a:r>
               <a:rPr lang="en-US" dirty="0" smtClean="0"/>
-              <a:t> </a:t>
-            </a:r>
-            <a:r>
-              <a:rPr lang="en-US" dirty="0" smtClean="0"/>
-              <a:t>application</a:t>
+              <a:t> application</a:t>
             </a:r>
             <a:endParaRPr lang="en-US" dirty="0"/>
           </a:p>
@@ -3803,15 +3535,7 @@
             </a:pPr>
             <a:r>
               <a:rPr lang="en-US" dirty="0" smtClean="0"/>
-              <a:t> </a:t>
-            </a:r>
-            <a:r>
-              <a:rPr lang="en-US" dirty="0" smtClean="0"/>
-              <a:t>A</a:t>
-            </a:r>
-            <a:r>
-              <a:rPr lang="en-US" dirty="0" smtClean="0"/>
-              <a:t> software Developer by trade with skills in C#,VB and the .NET framework. Serving as principal Architect, DBA and GUI implementation expert.</a:t>
+              <a:t> A software Developer by trade with skills in C#,VB and the .NET framework. Serving as principal Architect, DBA and GUI implementation expert.</a:t>
             </a:r>
           </a:p>
           <a:p>
@@ -3832,11 +3556,7 @@
             </a:pPr>
             <a:r>
               <a:rPr lang="en-US" dirty="0" smtClean="0"/>
-              <a:t> </a:t>
-            </a:r>
-            <a:r>
-              <a:rPr lang="en-US" dirty="0" smtClean="0"/>
-              <a:t> Works as a free lance Web designer and graphical UI guru. Will design the UI.</a:t>
+              <a:t>  Works as a free lance Web designer and graphical UI guru. Will design the UI.</a:t>
             </a:r>
             <a:endParaRPr lang="en-US" dirty="0"/>
           </a:p>
@@ -4002,13 +3722,25 @@
               <a:t> will allow our users to create rich personal profiles : share media or communicate with other members worldwide with far less restrictions than </a:t>
             </a:r>
             <a:r>
-              <a:rPr lang="en-US" dirty="0" err="1" smtClean="0"/>
-              <a:t>compable</a:t>
-            </a:r>
-            <a:r>
-              <a:rPr lang="en-US" dirty="0" smtClean="0"/>
-              <a:t> communities. </a:t>
-            </a:r>
+              <a:rPr lang="en-US" dirty="0" smtClean="0"/>
+              <a:t>comparable </a:t>
+            </a:r>
+            <a:r>
+              <a:rPr lang="en-US" dirty="0" smtClean="0"/>
+              <a:t>communities. </a:t>
+            </a:r>
+            <a:endParaRPr lang="en-US" dirty="0" smtClean="0"/>
+          </a:p>
+          <a:p>
+            <a:r>
+              <a:rPr lang="en-US" dirty="0" smtClean="0"/>
+              <a:t>Provide a fresh and engaging user interface that is unobtrusive and cool.</a:t>
+            </a:r>
+          </a:p>
+          <a:p>
+            <a:pPr marL="0" indent="0">
+              <a:buNone/>
+            </a:pPr>
             <a:endParaRPr lang="en-US" dirty="0"/>
           </a:p>
         </p:txBody>
@@ -4216,12 +3948,12 @@
               <a:t>As time goes on with more funding the intent is to add extend the application to multiple platforms with a similar </a:t>
             </a:r>
             <a:r>
-              <a:rPr lang="en-US" dirty="0" err="1" smtClean="0"/>
-              <a:t>featureset</a:t>
-            </a:r>
-            <a:r>
-              <a:rPr lang="en-US" dirty="0" smtClean="0"/>
-              <a:t> each(</a:t>
+              <a:rPr lang="en-US" dirty="0" smtClean="0"/>
+              <a:t>features on  </a:t>
+            </a:r>
+            <a:r>
+              <a:rPr lang="en-US" dirty="0" smtClean="0"/>
+              <a:t>each(</a:t>
             </a:r>
             <a:r>
               <a:rPr lang="en-US" dirty="0" err="1" smtClean="0"/>
